--- a/documents/instrument_tuner_presentation.pptx
+++ b/documents/instrument_tuner_presentation.pptx
@@ -17,8 +17,9 @@
     <p:sldId id="265" r:id="rId11"/>
     <p:sldId id="266" r:id="rId12"/>
     <p:sldId id="267" r:id="rId13"/>
-    <p:sldId id="268" r:id="rId14"/>
-    <p:sldId id="269" r:id="rId15"/>
+    <p:sldId id="270" r:id="rId14"/>
+    <p:sldId id="268" r:id="rId15"/>
+    <p:sldId id="269" r:id="rId16"/>
   </p:sldIdLst>
   <p:sldSz cx="12192000" cy="6858000"/>
   <p:notesSz cx="6858000" cy="9144000"/>
@@ -117,6 +118,11 @@
       </a:defRPr>
     </a:lvl9pPr>
   </p:defaultTextStyle>
+  <p:extLst>
+    <p:ext uri="{EFAFB233-063F-42B5-8137-9DF3F51BA10A}">
+      <p15:sldGuideLst xmlns:p15="http://schemas.microsoft.com/office/powerpoint/2012/main"/>
+    </p:ext>
+  </p:extLst>
 </p:presentation>
 </file>
 
@@ -346,7 +352,7 @@
           <a:p>
             <a:fld id="{E4538B1F-23B6-4D8F-8547-DD743C5E89E7}" type="datetimeFigureOut">
               <a:rPr lang="en-US" smtClean="0"/>
-              <a:t>4/19/2023</a:t>
+              <a:t>4/21/2023</a:t>
             </a:fld>
             <a:endParaRPr lang="en-US"/>
           </a:p>
@@ -554,7 +560,7 @@
           <a:p>
             <a:fld id="{E4538B1F-23B6-4D8F-8547-DD743C5E89E7}" type="datetimeFigureOut">
               <a:rPr lang="en-US" smtClean="0"/>
-              <a:t>4/19/2023</a:t>
+              <a:t>4/21/2023</a:t>
             </a:fld>
             <a:endParaRPr lang="en-US"/>
           </a:p>
@@ -810,7 +816,7 @@
           <a:p>
             <a:fld id="{E4538B1F-23B6-4D8F-8547-DD743C5E89E7}" type="datetimeFigureOut">
               <a:rPr lang="en-US" smtClean="0"/>
-              <a:t>4/19/2023</a:t>
+              <a:t>4/21/2023</a:t>
             </a:fld>
             <a:endParaRPr lang="en-US"/>
           </a:p>
@@ -984,7 +990,7 @@
           <a:p>
             <a:fld id="{E4538B1F-23B6-4D8F-8547-DD743C5E89E7}" type="datetimeFigureOut">
               <a:rPr lang="en-US" smtClean="0"/>
-              <a:t>4/19/2023</a:t>
+              <a:t>4/21/2023</a:t>
             </a:fld>
             <a:endParaRPr lang="en-US"/>
           </a:p>
@@ -1327,7 +1333,7 @@
           <a:p>
             <a:fld id="{E4538B1F-23B6-4D8F-8547-DD743C5E89E7}" type="datetimeFigureOut">
               <a:rPr lang="en-US" smtClean="0"/>
-              <a:t>4/19/2023</a:t>
+              <a:t>4/21/2023</a:t>
             </a:fld>
             <a:endParaRPr lang="en-US"/>
           </a:p>
@@ -1602,7 +1608,7 @@
           <a:p>
             <a:fld id="{E4538B1F-23B6-4D8F-8547-DD743C5E89E7}" type="datetimeFigureOut">
               <a:rPr lang="en-US" smtClean="0"/>
-              <a:t>4/19/2023</a:t>
+              <a:t>4/21/2023</a:t>
             </a:fld>
             <a:endParaRPr lang="en-US"/>
           </a:p>
@@ -1981,7 +1987,7 @@
           <a:p>
             <a:fld id="{E4538B1F-23B6-4D8F-8547-DD743C5E89E7}" type="datetimeFigureOut">
               <a:rPr lang="en-US" smtClean="0"/>
-              <a:t>4/19/2023</a:t>
+              <a:t>4/21/2023</a:t>
             </a:fld>
             <a:endParaRPr lang="en-US"/>
           </a:p>
@@ -2099,7 +2105,7 @@
           <a:p>
             <a:fld id="{E4538B1F-23B6-4D8F-8547-DD743C5E89E7}" type="datetimeFigureOut">
               <a:rPr lang="en-US" smtClean="0"/>
-              <a:t>4/19/2023</a:t>
+              <a:t>4/21/2023</a:t>
             </a:fld>
             <a:endParaRPr lang="en-US"/>
           </a:p>
@@ -2270,7 +2276,7 @@
           <a:p>
             <a:fld id="{E4538B1F-23B6-4D8F-8547-DD743C5E89E7}" type="datetimeFigureOut">
               <a:rPr lang="en-US" smtClean="0"/>
-              <a:t>4/19/2023</a:t>
+              <a:t>4/21/2023</a:t>
             </a:fld>
             <a:endParaRPr lang="en-US"/>
           </a:p>
@@ -2624,7 +2630,7 @@
           <a:p>
             <a:fld id="{E4538B1F-23B6-4D8F-8547-DD743C5E89E7}" type="datetimeFigureOut">
               <a:rPr lang="en-US" smtClean="0"/>
-              <a:t>4/19/2023</a:t>
+              <a:t>4/21/2023</a:t>
             </a:fld>
             <a:endParaRPr lang="en-US"/>
           </a:p>
@@ -3006,7 +3012,7 @@
           <a:p>
             <a:fld id="{E4538B1F-23B6-4D8F-8547-DD743C5E89E7}" type="datetimeFigureOut">
               <a:rPr lang="en-US" smtClean="0"/>
-              <a:t>4/19/2023</a:t>
+              <a:t>4/21/2023</a:t>
             </a:fld>
             <a:endParaRPr lang="en-US"/>
           </a:p>
@@ -3293,7 +3299,7 @@
           <a:p>
             <a:fld id="{E4538B1F-23B6-4D8F-8547-DD743C5E89E7}" type="datetimeFigureOut">
               <a:rPr lang="en-US" smtClean="0"/>
-              <a:t>4/19/2023</a:t>
+              <a:t>4/21/2023</a:t>
             </a:fld>
             <a:endParaRPr lang="en-US"/>
           </a:p>
@@ -4308,7 +4314,7 @@
             </a:pPr>
             <a:r>
               <a:rPr lang="en-US" dirty="0"/>
-              <a:t>Red LED: calc. frequency is within 2 Hz of target</a:t>
+              <a:t>Red LED: calc. frequency is within 1 Hz of target</a:t>
             </a:r>
           </a:p>
           <a:p>
@@ -4437,6 +4443,170 @@
           <p:cNvPr id="2" name="Title 1">
             <a:extLst>
               <a:ext uri="{FF2B5EF4-FFF2-40B4-BE49-F238E27FC236}">
+                <a16:creationId xmlns:a16="http://schemas.microsoft.com/office/drawing/2014/main" id="{CCE657B3-BA88-50F8-4ABA-C83635CF09AB}"/>
+              </a:ext>
+            </a:extLst>
+          </p:cNvPr>
+          <p:cNvSpPr>
+            <a:spLocks noGrp="1"/>
+          </p:cNvSpPr>
+          <p:nvPr>
+            <p:ph type="title"/>
+          </p:nvPr>
+        </p:nvSpPr>
+        <p:spPr/>
+        <p:txBody>
+          <a:bodyPr/>
+          <a:lstStyle/>
+          <a:p>
+            <a:r>
+              <a:rPr lang="en-US" dirty="0"/>
+              <a:t>Issues</a:t>
+            </a:r>
+          </a:p>
+        </p:txBody>
+      </p:sp>
+      <p:sp>
+        <p:nvSpPr>
+          <p:cNvPr id="3" name="Content Placeholder 2">
+            <a:extLst>
+              <a:ext uri="{FF2B5EF4-FFF2-40B4-BE49-F238E27FC236}">
+                <a16:creationId xmlns:a16="http://schemas.microsoft.com/office/drawing/2014/main" id="{3BE278B9-6BBB-72BC-B9A1-4DC329DCA31B}"/>
+              </a:ext>
+            </a:extLst>
+          </p:cNvPr>
+          <p:cNvSpPr>
+            <a:spLocks noGrp="1"/>
+          </p:cNvSpPr>
+          <p:nvPr>
+            <p:ph idx="1"/>
+          </p:nvPr>
+        </p:nvSpPr>
+        <p:spPr/>
+        <p:txBody>
+          <a:bodyPr/>
+          <a:lstStyle/>
+          <a:p>
+            <a:pPr>
+              <a:buFont typeface="Arial" panose="020B0604020202020204" pitchFamily="34" charset="0"/>
+              <a:buChar char="•"/>
+            </a:pPr>
+            <a:r>
+              <a:rPr lang="en-US" dirty="0"/>
+              <a:t> Some notes start high and decay low</a:t>
+            </a:r>
+          </a:p>
+          <a:p>
+            <a:pPr lvl="1">
+              <a:buFont typeface="Arial" panose="020B0604020202020204" pitchFamily="34" charset="0"/>
+              <a:buChar char="•"/>
+            </a:pPr>
+            <a:r>
+              <a:rPr lang="en-US" dirty="0"/>
+              <a:t>Never truly on note, red LED won’t come on</a:t>
+            </a:r>
+          </a:p>
+          <a:p>
+            <a:pPr lvl="1">
+              <a:buFont typeface="Arial" panose="020B0604020202020204" pitchFamily="34" charset="0"/>
+              <a:buChar char="•"/>
+            </a:pPr>
+            <a:r>
+              <a:rPr lang="en-US" dirty="0"/>
+              <a:t>Can be a problem with commercial tuners as well</a:t>
+            </a:r>
+          </a:p>
+          <a:p>
+            <a:pPr lvl="1">
+              <a:buFont typeface="Arial" panose="020B0604020202020204" pitchFamily="34" charset="0"/>
+              <a:buChar char="•"/>
+            </a:pPr>
+            <a:endParaRPr lang="en-US" dirty="0"/>
+          </a:p>
+          <a:p>
+            <a:pPr>
+              <a:buFont typeface="Arial" panose="020B0604020202020204" pitchFamily="34" charset="0"/>
+              <a:buChar char="•"/>
+            </a:pPr>
+            <a:r>
+              <a:rPr lang="en-US" dirty="0"/>
+              <a:t> Specific frequencies on some strings will briefly be calculated incorrectly</a:t>
+            </a:r>
+          </a:p>
+          <a:p>
+            <a:pPr lvl="1">
+              <a:buFont typeface="Arial" panose="020B0604020202020204" pitchFamily="34" charset="0"/>
+              <a:buChar char="•"/>
+            </a:pPr>
+            <a:r>
+              <a:rPr lang="en-US" dirty="0"/>
+              <a:t>Usually corrects itself as the signal decays</a:t>
+            </a:r>
+          </a:p>
+          <a:p>
+            <a:pPr lvl="1">
+              <a:buFont typeface="Arial" panose="020B0604020202020204" pitchFamily="34" charset="0"/>
+              <a:buChar char="•"/>
+            </a:pPr>
+            <a:endParaRPr lang="en-US" dirty="0"/>
+          </a:p>
+          <a:p>
+            <a:pPr>
+              <a:buFont typeface="Arial" panose="020B0604020202020204" pitchFamily="34" charset="0"/>
+              <a:buChar char="•"/>
+            </a:pPr>
+            <a:r>
+              <a:rPr lang="en-US" dirty="0"/>
+              <a:t> 1 Hz frequency tolerance isn’t great</a:t>
+            </a:r>
+          </a:p>
+          <a:p>
+            <a:pPr lvl="1">
+              <a:buFont typeface="Arial" panose="020B0604020202020204" pitchFamily="34" charset="0"/>
+              <a:buChar char="•"/>
+            </a:pPr>
+            <a:r>
+              <a:rPr lang="en-US" dirty="0"/>
+              <a:t>Trained ears can detect ~0.3% frequency differences</a:t>
+            </a:r>
+          </a:p>
+        </p:txBody>
+      </p:sp>
+    </p:spTree>
+    <p:extLst>
+      <p:ext uri="{BB962C8B-B14F-4D97-AF65-F5344CB8AC3E}">
+        <p14:creationId xmlns:p14="http://schemas.microsoft.com/office/powerpoint/2010/main" val="4126709649"/>
+      </p:ext>
+    </p:extLst>
+  </p:cSld>
+  <p:clrMapOvr>
+    <a:masterClrMapping/>
+  </p:clrMapOvr>
+</p:sld>
+</file>
+
+<file path=ppt/slides/slide14.xml><?xml version="1.0" encoding="utf-8"?>
+<p:sld xmlns:a="http://schemas.openxmlformats.org/drawingml/2006/main" xmlns:r="http://schemas.openxmlformats.org/officeDocument/2006/relationships" xmlns:p="http://schemas.openxmlformats.org/presentationml/2006/main">
+  <p:cSld>
+    <p:spTree>
+      <p:nvGrpSpPr>
+        <p:cNvPr id="1" name=""/>
+        <p:cNvGrpSpPr/>
+        <p:nvPr/>
+      </p:nvGrpSpPr>
+      <p:grpSpPr>
+        <a:xfrm>
+          <a:off x="0" y="0"/>
+          <a:ext cx="0" cy="0"/>
+          <a:chOff x="0" y="0"/>
+          <a:chExt cx="0" cy="0"/>
+        </a:xfrm>
+      </p:grpSpPr>
+      <p:sp>
+        <p:nvSpPr>
+          <p:cNvPr id="2" name="Title 1">
+            <a:extLst>
+              <a:ext uri="{FF2B5EF4-FFF2-40B4-BE49-F238E27FC236}">
                 <a16:creationId xmlns:a16="http://schemas.microsoft.com/office/drawing/2014/main" id="{D3B44F7E-C33E-4CB4-2605-CE14C43F978F}"/>
               </a:ext>
             </a:extLst>
@@ -4478,7 +4648,9 @@
         </p:nvSpPr>
         <p:spPr/>
         <p:txBody>
-          <a:bodyPr/>
+          <a:bodyPr>
+            <a:normAutofit fontScale="92500" lnSpcReduction="10000"/>
+          </a:bodyPr>
           <a:lstStyle/>
           <a:p>
             <a:pPr>
@@ -4530,6 +4702,23 @@
             </a:pPr>
             <a:r>
               <a:rPr lang="en-US" dirty="0"/>
+              <a:t> Better microphone, tighter frequency tolerance</a:t>
+            </a:r>
+          </a:p>
+          <a:p>
+            <a:pPr>
+              <a:buFont typeface="Arial" panose="020B0604020202020204" pitchFamily="34" charset="0"/>
+              <a:buChar char="•"/>
+            </a:pPr>
+            <a:endParaRPr lang="en-US" dirty="0"/>
+          </a:p>
+          <a:p>
+            <a:pPr>
+              <a:buFont typeface="Arial" panose="020B0604020202020204" pitchFamily="34" charset="0"/>
+              <a:buChar char="•"/>
+            </a:pPr>
+            <a:r>
+              <a:rPr lang="en-US" dirty="0"/>
               <a:t> Better frequency parsing algorithm from FFT</a:t>
             </a:r>
           </a:p>
@@ -4549,10 +4738,9 @@
               <a:buChar char="•"/>
             </a:pPr>
             <a:r>
-              <a:rPr lang="en-US"/>
+              <a:rPr lang="en-US" dirty="0"/>
               <a:t>Auto-correlation</a:t>
             </a:r>
-            <a:endParaRPr lang="en-US" dirty="0"/>
           </a:p>
           <a:p>
             <a:pPr marL="0" indent="0">
@@ -4575,7 +4763,7 @@
 </p:sld>
 </file>
 
-<file path=ppt/slides/slide14.xml><?xml version="1.0" encoding="utf-8"?>
+<file path=ppt/slides/slide15.xml><?xml version="1.0" encoding="utf-8"?>
 <p:sld xmlns:a="http://schemas.openxmlformats.org/drawingml/2006/main" xmlns:r="http://schemas.openxmlformats.org/officeDocument/2006/relationships" xmlns:p="http://schemas.openxmlformats.org/presentationml/2006/main">
   <p:cSld>
     <p:spTree>
@@ -5109,6 +5297,23 @@
             <a:r>
               <a:rPr lang="en-US" dirty="0"/>
               <a:t> Analog and digital output pins</a:t>
+            </a:r>
+          </a:p>
+          <a:p>
+            <a:pPr>
+              <a:buFont typeface="Arial" panose="020B0604020202020204" pitchFamily="34" charset="0"/>
+              <a:buChar char="•"/>
+            </a:pPr>
+            <a:endParaRPr lang="en-US" dirty="0"/>
+          </a:p>
+          <a:p>
+            <a:pPr>
+              <a:buFont typeface="Arial" panose="020B0604020202020204" pitchFamily="34" charset="0"/>
+              <a:buChar char="•"/>
+            </a:pPr>
+            <a:r>
+              <a:rPr lang="en-US" dirty="0"/>
+              <a:t> Poor technical documentation</a:t>
             </a:r>
           </a:p>
           <a:p>
@@ -5465,6 +5670,16 @@
             <a:r>
               <a:rPr lang="en-US" dirty="0"/>
               <a:t># Samples: 1024</a:t>
+            </a:r>
+          </a:p>
+          <a:p>
+            <a:pPr lvl="1">
+              <a:buFont typeface="Arial" panose="020B0604020202020204" pitchFamily="34" charset="0"/>
+              <a:buChar char="•"/>
+            </a:pPr>
+            <a:r>
+              <a:rPr lang="en-US" dirty="0"/>
+              <a:t>Determined experimentally</a:t>
             </a:r>
           </a:p>
           <a:p>

--- a/documents/instrument_tuner_presentation.pptx
+++ b/documents/instrument_tuner_presentation.pptx
@@ -4649,7 +4649,7 @@
         <p:spPr/>
         <p:txBody>
           <a:bodyPr>
-            <a:normAutofit fontScale="92500" lnSpcReduction="10000"/>
+            <a:normAutofit fontScale="92500" lnSpcReduction="20000"/>
           </a:bodyPr>
           <a:lstStyle/>
           <a:p>
@@ -4685,8 +4685,13 @@
             </a:pPr>
             <a:r>
               <a:rPr lang="en-US" dirty="0"/>
-              <a:t> Seven-segment display that can display the target note</a:t>
-            </a:r>
+              <a:t> More tunings and a user interface for </a:t>
+            </a:r>
+            <a:r>
+              <a:rPr lang="en-US"/>
+              <a:t>selecting tunings and displaying notes</a:t>
+            </a:r>
+            <a:endParaRPr lang="en-US" dirty="0"/>
           </a:p>
           <a:p>
             <a:pPr>
@@ -4703,6 +4708,16 @@
             <a:r>
               <a:rPr lang="en-US" dirty="0"/>
               <a:t> Better microphone, tighter frequency tolerance</a:t>
+            </a:r>
+          </a:p>
+          <a:p>
+            <a:pPr lvl="1">
+              <a:buFont typeface="Arial" panose="020B0604020202020204" pitchFamily="34" charset="0"/>
+              <a:buChar char="•"/>
+            </a:pPr>
+            <a:r>
+              <a:rPr lang="en-US" dirty="0"/>
+              <a:t>Accelerometer instead of microphone?</a:t>
             </a:r>
           </a:p>
           <a:p>
@@ -4942,7 +4957,7 @@
             </a:pPr>
             <a:r>
               <a:rPr lang="en-US" dirty="0"/>
-              <a:t> Not required to know the note of each string</a:t>
+              <a:t> Not required to know anything about musical notes or the note of each string</a:t>
             </a:r>
           </a:p>
           <a:p>
@@ -4959,7 +4974,7 @@
             </a:pPr>
             <a:r>
               <a:rPr lang="en-US" dirty="0"/>
-              <a:t> Alternative tunings are easy to add in software</a:t>
+              <a:t> We wanted to learn how they work</a:t>
             </a:r>
             <a:br>
               <a:rPr lang="en-US" dirty="0"/>

--- a/documents/instrument_tuner_presentation.pptx
+++ b/documents/instrument_tuner_presentation.pptx
@@ -4134,8 +4134,8 @@
         </p:blipFill>
         <p:spPr>
           <a:xfrm rot="16200000">
-            <a:off x="7530503" y="2243917"/>
-            <a:ext cx="3771727" cy="3478628"/>
+            <a:off x="6917644" y="2014595"/>
+            <a:ext cx="4345937" cy="4008216"/>
           </a:xfrm>
           <a:prstGeom prst="rect">
             <a:avLst/>
@@ -4156,7 +4156,7 @@
         </p:nvSpPr>
         <p:spPr>
           <a:xfrm>
-            <a:off x="8464491" y="3798565"/>
+            <a:off x="8121591" y="3857414"/>
             <a:ext cx="570452" cy="369332"/>
           </a:xfrm>
           <a:prstGeom prst="rect">
@@ -4260,6 +4260,13 @@
         <p:txBody>
           <a:bodyPr/>
           <a:lstStyle/>
+          <a:p>
+            <a:pPr>
+              <a:buFont typeface="Arial" panose="020B0604020202020204" pitchFamily="34" charset="0"/>
+              <a:buChar char="•"/>
+            </a:pPr>
+            <a:endParaRPr lang="en-US" dirty="0"/>
+          </a:p>
           <a:p>
             <a:pPr>
               <a:buFont typeface="Arial" panose="020B0604020202020204" pitchFamily="34" charset="0"/>
@@ -4491,9 +4498,16 @@
               <a:buFont typeface="Arial" panose="020B0604020202020204" pitchFamily="34" charset="0"/>
               <a:buChar char="•"/>
             </a:pPr>
-            <a:r>
-              <a:rPr lang="en-US" dirty="0"/>
-              <a:t> Some notes start high and decay low</a:t>
+            <a:endParaRPr lang="en-US" dirty="0"/>
+          </a:p>
+          <a:p>
+            <a:pPr>
+              <a:buFont typeface="Arial" panose="020B0604020202020204" pitchFamily="34" charset="0"/>
+              <a:buChar char="•"/>
+            </a:pPr>
+            <a:r>
+              <a:rPr lang="en-US" dirty="0"/>
+              <a:t>Some notes start high and decay low</a:t>
             </a:r>
           </a:p>
           <a:p>
@@ -4685,13 +4699,8 @@
             </a:pPr>
             <a:r>
               <a:rPr lang="en-US" dirty="0"/>
-              <a:t> More tunings and a user interface for </a:t>
-            </a:r>
-            <a:r>
-              <a:rPr lang="en-US"/>
-              <a:t>selecting tunings and displaying notes</a:t>
-            </a:r>
-            <a:endParaRPr lang="en-US" dirty="0"/>
+              <a:t> More tunings and a user interface for selecting tunings and displaying notes</a:t>
+            </a:r>
           </a:p>
           <a:p>
             <a:pPr>
